--- a/print/python2_9_02.pptx
+++ b/print/python2_9_02.pptx
@@ -488,7 +488,7 @@
       </p:grpSpPr>
       <p:sp>
         <p:nvSpPr>
-          <p:cNvPr id="205" name="Shape 205"/>
+          <p:cNvPr id="206" name="Shape 206"/>
           <p:cNvSpPr/>
           <p:nvPr>
             <p:ph type="sldImg"/>
@@ -509,7 +509,7 @@
       </p:sp>
       <p:sp>
         <p:nvSpPr>
-          <p:cNvPr id="206" name="Shape 206"/>
+          <p:cNvPr id="207" name="Shape 207"/>
           <p:cNvSpPr/>
           <p:nvPr>
             <p:ph type="body" sz="quarter" idx="1"/>
@@ -529,11 +529,7 @@
               <a:buAutoNum type="arabicPeriod" startAt="1"/>
             </a:pPr>
             <a:r>
-              <a:t>IT will get an error message, because strings are </a:t>
-            </a:r>
-            <a:r>
-              <a:rPr b="1"/>
-              <a:t>immutable </a:t>
+              <a:t>Why is it important that both for loops and lists start indexing at 0? This allows us to use the variable i inside the for loop as our indexing value to go through each item in a list.</a:t>
             </a:r>
           </a:p>
           <a:p>
@@ -542,23 +538,7 @@
               <a:buAutoNum type="arabicPeriod" startAt="1"/>
             </a:pPr>
             <a:r>
-              <a:t>your OSIS, your birthday. things that are mutable include your age, since it changes, along with your grade.</a:t>
-            </a:r>
-          </a:p>
-          <a:p>
-            <a:pPr marL="187157" indent="-187157">
-              <a:buSzPct val="100000"/>
-              <a:buAutoNum type="arabicPeriod" startAt="1"/>
-            </a:pPr>
-            <a:r>
-              <a:t>Strings are </a:t>
-            </a:r>
-            <a:r>
-              <a:rPr b="1"/>
-              <a:t>immutable</a:t>
-            </a:r>
-            <a:r>
-              <a:t>. It cannot be changed (that’s why you get an error in (1)</a:t>
+              <a:t>Why might we want to go through a list one item at a time?  we may want to find out how many of a certain character is present inside our list, replace all of a certain item in a list, etc. (Answers may vary)</a:t>
             </a:r>
           </a:p>
         </p:txBody>
@@ -590,7 +570,7 @@
       </p:grpSpPr>
       <p:sp>
         <p:nvSpPr>
-          <p:cNvPr id="223" name="Shape 223"/>
+          <p:cNvPr id="222" name="Shape 222"/>
           <p:cNvSpPr/>
           <p:nvPr>
             <p:ph type="sldImg"/>
@@ -611,7 +591,7 @@
       </p:sp>
       <p:sp>
         <p:nvSpPr>
-          <p:cNvPr id="224" name="Shape 224"/>
+          <p:cNvPr id="223" name="Shape 223"/>
           <p:cNvSpPr/>
           <p:nvPr>
             <p:ph type="body" sz="quarter" idx="1"/>
@@ -2101,7 +2081,7 @@
             </a:r>
             <a:r>
               <a:rPr b="0"/>
-              <a:t>HDW effectively use the scratch pad and unit test on CodeHS?</a:t>
+              <a:t>HDW effectively use for loops to traverse a Python list?</a:t>
             </a:r>
           </a:p>
         </p:txBody>
@@ -6203,7 +6183,7 @@
               </a:defRPr>
             </a:pPr>
             <a:r>
-              <a:t>Lesson 9.2</a:t>
+              <a:t>Lesson 9.3</a:t>
             </a:r>
           </a:p>
         </p:txBody>
@@ -6258,7 +6238,7 @@
               <a:defRPr sz="1600"/>
             </a:pPr>
             <a:r>
-              <a:t>5 April 2022</a:t>
+              <a:t>6 April 2022</a:t>
             </a:r>
           </a:p>
         </p:txBody>
@@ -6378,7 +6358,7 @@
               <a:t>.  </a:t>
             </a:r>
             <a:r>
-              <a:t>Be sure to:</a:t>
+              <a:t>Be sure to…</a:t>
             </a:r>
             <a:r>
               <a:rPr>
@@ -6386,7 +6366,7 @@
                   <a:schemeClr val="accent1"/>
                 </a:solidFill>
               </a:rPr>
-              <a:t>answer the questions below:</a:t>
+              <a:t>copy the definition to the right and then answer the questions below:</a:t>
             </a:r>
             <a:endParaRPr>
               <a:solidFill>
@@ -6398,14 +6378,14 @@
       </p:sp>
       <p:sp>
         <p:nvSpPr>
-          <p:cNvPr id="204" name="In some codeHS exercises there’s a Unit Test and a Scratchpad. What’s the difference between the two?…"/>
+          <p:cNvPr id="204" name="Why is it important that both for loops and lists start indexing at 0?…"/>
           <p:cNvSpPr txBox="1"/>
           <p:nvPr/>
         </p:nvSpPr>
         <p:spPr>
           <a:xfrm>
-            <a:off x="1300412" y="1863458"/>
-            <a:ext cx="3484043" cy="1619784"/>
+            <a:off x="1229953" y="2041258"/>
+            <a:ext cx="3484044" cy="1060984"/>
           </a:xfrm>
           <a:prstGeom prst="rect">
             <a:avLst/>
@@ -6425,83 +6405,124 @@
           </a:bodyPr>
           <a:lstStyle/>
           <a:p>
-            <a:pPr marL="187157" indent="-187157">
+            <a:pPr marL="457200" indent="-317500" defTabSz="457200">
+              <a:buClr>
+                <a:srgbClr val="333333"/>
+              </a:buClr>
               <a:buSzPct val="100000"/>
-              <a:buAutoNum type="arabicPeriod" startAt="1"/>
+              <a:buFont typeface="Helvetica"/>
+              <a:buChar char="•"/>
               <a:defRPr>
                 <a:solidFill>
-                  <a:schemeClr val="accent2">
-                    <a:lumOff val="-9333"/>
-                  </a:schemeClr>
+                  <a:srgbClr val="333333"/>
                 </a:solidFill>
+                <a:latin typeface="+mn-lt"/>
+                <a:ea typeface="+mn-ea"/>
+                <a:cs typeface="+mn-cs"/>
+                <a:sym typeface="Helvetica"/>
               </a:defRPr>
             </a:pPr>
             <a:r>
-              <a:t>In some codeHS exercises there’s a </a:t>
-            </a:r>
-            <a:r>
-              <a:rPr b="1"/>
-              <a:t>Unit Test</a:t>
-            </a:r>
-            <a:r>
-              <a:t> and a </a:t>
-            </a:r>
-            <a:r>
-              <a:rPr b="1"/>
-              <a:t>Scratchpad. </a:t>
-            </a:r>
-            <a:r>
-              <a:t>What’s the difference between the two?</a:t>
-            </a:r>
-          </a:p>
+              <a:t>Why is it important that both for loops and lists start indexing at 0? </a:t>
+            </a:r>
+          </a:p>
+          <a:p>
+            <a:pPr marL="457200" indent="-317500" defTabSz="457200">
+              <a:buClr>
+                <a:srgbClr val="333333"/>
+              </a:buClr>
+              <a:buSzPct val="100000"/>
+              <a:buFont typeface="Helvetica"/>
+              <a:buChar char="•"/>
+              <a:defRPr>
+                <a:solidFill>
+                  <a:srgbClr val="333333"/>
+                </a:solidFill>
+                <a:latin typeface="+mn-lt"/>
+                <a:ea typeface="+mn-ea"/>
+                <a:cs typeface="+mn-cs"/>
+                <a:sym typeface="Helvetica"/>
+              </a:defRPr>
+            </a:pPr>
+            <a:r>
+              <a:t>Why might we want to go through a list one item at a time? </a:t>
+            </a:r>
+          </a:p>
+        </p:txBody>
+      </p:sp>
+      <p:sp>
+        <p:nvSpPr>
+          <p:cNvPr id="205" name="Traversal (review)…"/>
+          <p:cNvSpPr txBox="1"/>
+          <p:nvPr/>
+        </p:nvSpPr>
+        <p:spPr>
+          <a:xfrm>
+            <a:off x="6294032" y="2502447"/>
+            <a:ext cx="1929727" cy="1498601"/>
+          </a:xfrm>
+          <a:prstGeom prst="rect">
+            <a:avLst/>
+          </a:prstGeom>
+          <a:ln w="12700">
+            <a:miter lim="400000"/>
+          </a:ln>
+          <a:extLst>
+            <a:ext uri="{C572A759-6A51-4108-AA02-DFA0A04FC94B}">
+              <ma14:wrappingTextBoxFlag xmlns:ma14="http://schemas.microsoft.com/office/mac/drawingml/2011/main" val="1"/>
+            </a:ext>
+          </a:extLst>
+        </p:spPr>
+        <p:txBody>
+          <a:bodyPr lIns="0" tIns="0" rIns="0" bIns="0">
+            <a:spAutoFit/>
+          </a:bodyPr>
+          <a:lstStyle/>
           <a:p>
             <a:pPr>
               <a:defRPr>
                 <a:solidFill>
-                  <a:schemeClr val="accent2">
-                    <a:lumOff val="-9333"/>
-                  </a:schemeClr>
+                  <a:srgbClr val="012F7B"/>
                 </a:solidFill>
+                <a:latin typeface="Helvetica Neue"/>
+                <a:ea typeface="Helvetica Neue"/>
+                <a:cs typeface="Helvetica Neue"/>
+                <a:sym typeface="Helvetica Neue"/>
               </a:defRPr>
             </a:pPr>
-          </a:p>
-          <a:p>
-            <a:pPr marL="187157" indent="-187157">
-              <a:buSzPct val="100000"/>
-              <a:buAutoNum type="arabicPeriod" startAt="2"/>
+            <a:r>
+              <a:t>Traversal (review)</a:t>
+            </a:r>
+          </a:p>
+          <a:p>
+            <a:pPr>
               <a:defRPr>
                 <a:solidFill>
-                  <a:schemeClr val="accent2">
-                    <a:lumOff val="-9333"/>
-                  </a:schemeClr>
+                  <a:srgbClr val="FF6A00"/>
                 </a:solidFill>
+                <a:latin typeface="+mn-lt"/>
+                <a:ea typeface="+mn-ea"/>
+                <a:cs typeface="+mn-cs"/>
+                <a:sym typeface="Helvetica"/>
               </a:defRPr>
             </a:pPr>
             <a:r>
-              <a:t>What code should you put in the </a:t>
-            </a:r>
-            <a:r>
-              <a:rPr b="1"/>
-              <a:t>unit test?</a:t>
-            </a:r>
-            <a:endParaRPr b="1"/>
-          </a:p>
-          <a:p>
-            <a:pPr marL="187157" indent="-187157">
-              <a:buSzPct val="100000"/>
-              <a:buAutoNum type="arabicPeriod" startAt="2"/>
-              <a:defRPr>
+              <a:t>The process of looping through a string or list and accessing each element sequentially</a:t>
+            </a:r>
+          </a:p>
+          <a:p>
+            <a:pPr>
+              <a:defRPr b="1">
                 <a:solidFill>
-                  <a:schemeClr val="accent2">
-                    <a:lumOff val="-9333"/>
-                  </a:schemeClr>
+                  <a:srgbClr val="FF6A00"/>
                 </a:solidFill>
+                <a:latin typeface="+mn-lt"/>
+                <a:ea typeface="+mn-ea"/>
+                <a:cs typeface="+mn-cs"/>
+                <a:sym typeface="Helvetica"/>
               </a:defRPr>
             </a:pPr>
-            <a:r>
-              <a:rPr b="1"/>
-              <a:t>Why do you think codehs does this?</a:t>
-            </a:r>
+            <a:endParaRPr b="0"/>
           </a:p>
         </p:txBody>
       </p:sp>
@@ -6511,6 +6532,83 @@
     <a:masterClrMapping/>
   </p:clrMapOvr>
   <p:transition xmlns:p14="http://schemas.microsoft.com/office/powerpoint/2010/main" spd="med" advClick="1"/>
+  <p:timing>
+    <p:tnLst>
+      <p:par>
+        <p:cTn id="1" nodeType="tmRoot" restart="never" dur="indefinite" fill="hold">
+          <p:childTnLst>
+            <p:seq concurrent="1" prevAc="none" nextAc="seek">
+              <p:cTn id="2" nodeType="mainSeq" dur="indefinite" fill="hold">
+                <p:childTnLst>
+                  <p:par>
+                    <p:cTn id="3" fill="hold">
+                      <p:stCondLst>
+                        <p:cond delay="indefinite"/>
+                      </p:stCondLst>
+                      <p:childTnLst>
+                        <p:par>
+                          <p:cTn id="4" fill="hold">
+                            <p:stCondLst>
+                              <p:cond delay="0"/>
+                            </p:stCondLst>
+                            <p:childTnLst>
+                              <p:par>
+                                <p:cTn id="5" presetClass="entr" nodeType="clickEffect" presetSubtype="0" presetID="1" grpId="1" fill="hold">
+                                  <p:stCondLst>
+                                    <p:cond delay="0"/>
+                                  </p:stCondLst>
+                                  <p:iterate type="el" backwards="0">
+                                    <p:tmAbs val="0"/>
+                                  </p:iterate>
+                                  <p:childTnLst>
+                                    <p:set>
+                                      <p:cBhvr>
+                                        <p:cTn id="6" fill="hold"/>
+                                        <p:tgtEl>
+                                          <p:spTgt spid="205"/>
+                                        </p:tgtEl>
+                                        <p:attrNameLst>
+                                          <p:attrName>style.visibility</p:attrName>
+                                        </p:attrNameLst>
+                                      </p:cBhvr>
+                                      <p:to>
+                                        <p:strVal val="visible"/>
+                                      </p:to>
+                                    </p:set>
+                                  </p:childTnLst>
+                                </p:cTn>
+                              </p:par>
+                            </p:childTnLst>
+                          </p:cTn>
+                        </p:par>
+                      </p:childTnLst>
+                    </p:cTn>
+                  </p:par>
+                </p:childTnLst>
+              </p:cTn>
+              <p:prevCondLst>
+                <p:cond evt="onPrev">
+                  <p:tgtEl>
+                    <p:sldTgt/>
+                  </p:tgtEl>
+                </p:cond>
+              </p:prevCondLst>
+              <p:nextCondLst>
+                <p:cond evt="onNext">
+                  <p:tgtEl>
+                    <p:sldTgt/>
+                  </p:tgtEl>
+                </p:cond>
+              </p:nextCondLst>
+            </p:seq>
+          </p:childTnLst>
+        </p:cTn>
+      </p:par>
+    </p:tnLst>
+    <p:bldLst>
+      <p:bldP build="whole" bldLvl="1" animBg="1" rev="0" advAuto="0" spid="205" grpId="1"/>
+    </p:bldLst>
+  </p:timing>
 </p:sld>
 </file>
 
@@ -6533,7 +6631,7 @@
       </p:grpSpPr>
       <p:sp>
         <p:nvSpPr>
-          <p:cNvPr id="208" name="Double-click to edit"/>
+          <p:cNvPr id="209" name="Double-click to edit"/>
           <p:cNvSpPr txBox="1"/>
           <p:nvPr>
             <p:ph type="title"/>
@@ -6556,7 +6654,7 @@
       </p:sp>
       <p:sp>
         <p:nvSpPr>
-          <p:cNvPr id="209" name="framing…"/>
+          <p:cNvPr id="210" name="framing…"/>
           <p:cNvSpPr txBox="1"/>
           <p:nvPr/>
         </p:nvSpPr>
@@ -6629,7 +6727,7 @@
             </a:r>
             <a:r>
               <a:rPr b="0"/>
-              <a:t> use a return statement in  Python</a:t>
+              <a:t> effectively use for loops to traverse a Python list</a:t>
             </a:r>
             <a:endParaRPr b="0"/>
           </a:p>
@@ -6659,7 +6757,7 @@
             </a:r>
             <a:r>
               <a:rPr b="0"/>
-              <a:t> Return statements are crucial to writing sophisticated functions</a:t>
+              <a:t> there are many situations where’s important to access each item in a list</a:t>
             </a:r>
             <a:endParaRPr b="0"/>
           </a:p>
@@ -6689,14 +6787,14 @@
             </a:r>
             <a:r>
               <a:rPr b="0"/>
-              <a:t> Using lists and tuples to solve computational problems.</a:t>
+              <a:t> Using special methods for lists.</a:t>
             </a:r>
           </a:p>
         </p:txBody>
       </p:sp>
       <p:pic>
         <p:nvPicPr>
-          <p:cNvPr id="210" name="Image" descr="Image"/>
+          <p:cNvPr id="211" name="Image" descr="Image"/>
           <p:cNvPicPr>
             <a:picLocks noChangeAspect="1"/>
           </p:cNvPicPr>
@@ -6762,7 +6860,7 @@
                                       <p:cBhvr>
                                         <p:cTn id="6" fill="hold"/>
                                         <p:tgtEl>
-                                          <p:spTgt spid="209">
+                                          <p:spTgt spid="210">
                                             <p:bg/>
                                           </p:spTgt>
                                         </p:tgtEl>
@@ -6790,7 +6888,7 @@
                                       <p:cBhvr>
                                         <p:cTn id="8" fill="hold"/>
                                         <p:tgtEl>
-                                          <p:spTgt spid="209">
+                                          <p:spTgt spid="210">
                                             <p:txEl>
                                               <p:pRg st="0" end="0"/>
                                             </p:txEl>
@@ -6838,7 +6936,7 @@
                                       <p:cBhvr>
                                         <p:cTn id="12" fill="hold"/>
                                         <p:tgtEl>
-                                          <p:spTgt spid="209">
+                                          <p:spTgt spid="210">
                                             <p:txEl>
                                               <p:pRg st="1" end="1"/>
                                             </p:txEl>
@@ -6886,7 +6984,7 @@
                                       <p:cBhvr>
                                         <p:cTn id="16" fill="hold"/>
                                         <p:tgtEl>
-                                          <p:spTgt spid="209">
+                                          <p:spTgt spid="210">
                                             <p:txEl>
                                               <p:pRg st="2" end="2"/>
                                             </p:txEl>
@@ -6934,7 +7032,7 @@
                                       <p:cBhvr>
                                         <p:cTn id="20" fill="hold"/>
                                         <p:tgtEl>
-                                          <p:spTgt spid="209">
+                                          <p:spTgt spid="210">
                                             <p:txEl>
                                               <p:pRg st="3" end="3"/>
                                             </p:txEl>
@@ -6979,7 +7077,7 @@
       </p:par>
     </p:tnLst>
     <p:bldLst>
-      <p:bldP build="p" bldLvl="5" animBg="1" rev="0" advAuto="0" spid="209" grpId="1"/>
+      <p:bldP build="p" bldLvl="5" animBg="1" rev="0" advAuto="0" spid="210" grpId="1"/>
     </p:bldLst>
   </p:timing>
 </p:sld>
@@ -7004,7 +7102,7 @@
       </p:grpSpPr>
       <p:sp>
         <p:nvSpPr>
-          <p:cNvPr id="212" name="Double-click to edit"/>
+          <p:cNvPr id="213" name="Double-click to edit"/>
           <p:cNvSpPr txBox="1"/>
           <p:nvPr>
             <p:ph type="title"/>
@@ -7027,7 +7125,7 @@
       </p:sp>
       <p:grpSp>
         <p:nvGrpSpPr>
-          <p:cNvPr id="215" name="Google Shape;118;p19"/>
+          <p:cNvPr id="216" name="Google Shape;118;p19"/>
           <p:cNvGrpSpPr/>
           <p:nvPr/>
         </p:nvGrpSpPr>
@@ -7041,7 +7139,7 @@
         </p:grpSpPr>
         <p:sp>
           <p:nvSpPr>
-            <p:cNvPr id="213" name="Rectangle"/>
+            <p:cNvPr id="214" name="Rectangle"/>
             <p:cNvSpPr/>
             <p:nvPr/>
           </p:nvSpPr>
@@ -7089,7 +7187,7 @@
         </p:sp>
         <p:sp>
           <p:nvSpPr>
-            <p:cNvPr id="214" name="Work day"/>
+            <p:cNvPr id="215" name="Work day"/>
             <p:cNvSpPr txBox="1"/>
             <p:nvPr/>
           </p:nvSpPr>
@@ -7133,7 +7231,7 @@
       </p:grpSp>
       <p:sp>
         <p:nvSpPr>
-          <p:cNvPr id="216" name="be sure to:"/>
+          <p:cNvPr id="217" name="be sure to:"/>
           <p:cNvSpPr txBox="1"/>
           <p:nvPr/>
         </p:nvSpPr>
@@ -7181,7 +7279,7 @@
       </p:sp>
       <p:sp>
         <p:nvSpPr>
-          <p:cNvPr id="217" name="Weekly Goal:…"/>
+          <p:cNvPr id="218" name="Weekly Goal:…"/>
           <p:cNvSpPr txBox="1"/>
           <p:nvPr/>
         </p:nvSpPr>
@@ -7267,7 +7365,7 @@
       </p:sp>
       <p:sp>
         <p:nvSpPr>
-          <p:cNvPr id="218" name="Google Shape;82;p14"/>
+          <p:cNvPr id="219" name="Google Shape;82;p14"/>
           <p:cNvSpPr txBox="1"/>
           <p:nvPr/>
         </p:nvSpPr>
@@ -7381,7 +7479,7 @@
       </p:sp>
       <p:sp>
         <p:nvSpPr>
-          <p:cNvPr id="219" name="be sure to:"/>
+          <p:cNvPr id="220" name="be sure to:"/>
           <p:cNvSpPr txBox="1"/>
           <p:nvPr/>
         </p:nvSpPr>
@@ -7429,14 +7527,14 @@
       </p:sp>
       <p:sp>
         <p:nvSpPr>
-          <p:cNvPr id="220" name="List…"/>
+          <p:cNvPr id="221" name="Traversal (review)…"/>
           <p:cNvSpPr txBox="1"/>
           <p:nvPr/>
         </p:nvSpPr>
         <p:spPr>
           <a:xfrm>
-            <a:off x="5655201" y="2955863"/>
-            <a:ext cx="2772440" cy="1010185"/>
+            <a:off x="6068564" y="2177529"/>
+            <a:ext cx="1929727" cy="1498601"/>
           </a:xfrm>
           <a:prstGeom prst="rect">
             <a:avLst/>
@@ -7459,142 +7557,47 @@
             <a:pPr>
               <a:defRPr>
                 <a:solidFill>
-                  <a:schemeClr val="accent3">
-                    <a:lumOff val="-9098"/>
-                  </a:schemeClr>
+                  <a:srgbClr val="012F7B"/>
                 </a:solidFill>
+                <a:latin typeface="Helvetica Neue"/>
+                <a:ea typeface="Helvetica Neue"/>
+                <a:cs typeface="Helvetica Neue"/>
+                <a:sym typeface="Helvetica Neue"/>
               </a:defRPr>
             </a:pPr>
             <a:r>
-              <a:t>List</a:t>
-            </a:r>
-          </a:p>
-          <a:p>
-            <a:pPr/>
-            <a:r>
-              <a:t>A data structure that holds a collection of objects in a particular order. Lists are </a:t>
-            </a:r>
-            <a:r>
-              <a:rPr b="1"/>
-              <a:t>mutable</a:t>
-            </a:r>
-            <a:r>
-              <a:t>.</a:t>
-            </a:r>
-          </a:p>
-        </p:txBody>
-      </p:sp>
-      <p:sp>
-        <p:nvSpPr>
-          <p:cNvPr id="221" name="tuple…"/>
-          <p:cNvSpPr txBox="1"/>
-          <p:nvPr/>
-        </p:nvSpPr>
-        <p:spPr>
-          <a:xfrm>
-            <a:off x="5634366" y="1779603"/>
-            <a:ext cx="2290013" cy="1010184"/>
-          </a:xfrm>
-          <a:prstGeom prst="rect">
-            <a:avLst/>
-          </a:prstGeom>
-          <a:ln w="12700">
-            <a:miter lim="400000"/>
-          </a:ln>
-          <a:extLst>
-            <a:ext uri="{C572A759-6A51-4108-AA02-DFA0A04FC94B}">
-              <ma14:wrappingTextBoxFlag xmlns:ma14="http://schemas.microsoft.com/office/mac/drawingml/2011/main" val="1"/>
-            </a:ext>
-          </a:extLst>
-        </p:spPr>
-        <p:txBody>
-          <a:bodyPr lIns="0" tIns="0" rIns="0" bIns="0">
-            <a:spAutoFit/>
-          </a:bodyPr>
-          <a:lstStyle/>
+              <a:t>Traversal (review)</a:t>
+            </a:r>
+          </a:p>
           <a:p>
             <a:pPr>
               <a:defRPr>
                 <a:solidFill>
-                  <a:schemeClr val="accent3">
-                    <a:lumOff val="-9098"/>
-                  </a:schemeClr>
+                  <a:srgbClr val="FF6A00"/>
                 </a:solidFill>
+                <a:latin typeface="+mn-lt"/>
+                <a:ea typeface="+mn-ea"/>
+                <a:cs typeface="+mn-cs"/>
+                <a:sym typeface="Helvetica"/>
               </a:defRPr>
             </a:pPr>
             <a:r>
-              <a:t>tuple</a:t>
-            </a:r>
-          </a:p>
-          <a:p>
-            <a:pPr/>
-            <a:r>
-              <a:t>A data structure that holds a collection of objects in a particular order. Unlike lists, tuples are </a:t>
-            </a:r>
-            <a:r>
-              <a:rPr b="1"/>
-              <a:t>immutable</a:t>
-            </a:r>
-            <a:r>
-              <a:t>.</a:t>
-            </a:r>
-          </a:p>
-        </p:txBody>
-      </p:sp>
-      <p:sp>
-        <p:nvSpPr>
-          <p:cNvPr id="222" name="mutable…"/>
-          <p:cNvSpPr txBox="1"/>
-          <p:nvPr/>
-        </p:nvSpPr>
-        <p:spPr>
-          <a:xfrm>
-            <a:off x="5589894" y="4002285"/>
-            <a:ext cx="3484044" cy="603784"/>
-          </a:xfrm>
-          <a:prstGeom prst="rect">
-            <a:avLst/>
-          </a:prstGeom>
-          <a:ln w="12700">
-            <a:miter lim="400000"/>
-          </a:ln>
-          <a:extLst>
-            <a:ext uri="{C572A759-6A51-4108-AA02-DFA0A04FC94B}">
-              <ma14:wrappingTextBoxFlag xmlns:ma14="http://schemas.microsoft.com/office/mac/drawingml/2011/main" val="1"/>
-            </a:ext>
-          </a:extLst>
-        </p:spPr>
-        <p:txBody>
-          <a:bodyPr lIns="0" tIns="0" rIns="0" bIns="0">
-            <a:spAutoFit/>
-          </a:bodyPr>
-          <a:lstStyle/>
+              <a:t>The process of looping through a string or list and accessing each element sequentially</a:t>
+            </a:r>
+          </a:p>
           <a:p>
             <a:pPr>
-              <a:defRPr>
+              <a:defRPr b="1">
                 <a:solidFill>
-                  <a:schemeClr val="accent3">
-                    <a:lumOff val="-9098"/>
-                  </a:schemeClr>
+                  <a:srgbClr val="FF6A00"/>
                 </a:solidFill>
+                <a:latin typeface="+mn-lt"/>
+                <a:ea typeface="+mn-ea"/>
+                <a:cs typeface="+mn-cs"/>
+                <a:sym typeface="Helvetica"/>
               </a:defRPr>
             </a:pPr>
-            <a:r>
-              <a:t>mutable</a:t>
-            </a:r>
-          </a:p>
-          <a:p>
-            <a:pPr/>
-            <a:r>
-              <a:t>Able to be changed.  Something which is </a:t>
-            </a:r>
-            <a:r>
-              <a:rPr b="1"/>
-              <a:t>immutable </a:t>
-            </a:r>
-            <a:r>
-              <a:t>cannot be changed.</a:t>
-            </a:r>
+            <a:endParaRPr b="0"/>
           </a:p>
         </p:txBody>
       </p:sp>
@@ -7637,7 +7640,7 @@
                                       <p:cBhvr>
                                         <p:cTn id="6" fill="hold"/>
                                         <p:tgtEl>
-                                          <p:spTgt spid="218">
+                                          <p:spTgt spid="219">
                                             <p:bg/>
                                           </p:spTgt>
                                         </p:tgtEl>
@@ -7665,7 +7668,7 @@
                                       <p:cBhvr>
                                         <p:cTn id="8" fill="hold"/>
                                         <p:tgtEl>
-                                          <p:spTgt spid="218">
+                                          <p:spTgt spid="219">
                                             <p:txEl>
                                               <p:pRg st="0" end="0"/>
                                             </p:txEl>
@@ -7704,7 +7707,7 @@
                                       <p:cBhvr>
                                         <p:cTn id="11" fill="hold"/>
                                         <p:tgtEl>
-                                          <p:spTgt spid="218">
+                                          <p:spTgt spid="219">
                                             <p:txEl>
                                               <p:pRg st="1" end="1"/>
                                             </p:txEl>
@@ -7752,7 +7755,7 @@
                                       <p:cBhvr>
                                         <p:cTn id="15" fill="hold"/>
                                         <p:tgtEl>
-                                          <p:spTgt spid="218">
+                                          <p:spTgt spid="219">
                                             <p:txEl>
                                               <p:pRg st="2" end="2"/>
                                             </p:txEl>
@@ -7800,11 +7803,55 @@
                                       <p:cBhvr>
                                         <p:cTn id="19" fill="hold"/>
                                         <p:tgtEl>
-                                          <p:spTgt spid="218">
+                                          <p:spTgt spid="219">
                                             <p:txEl>
                                               <p:pRg st="3" end="3"/>
                                             </p:txEl>
                                           </p:spTgt>
+                                        </p:tgtEl>
+                                        <p:attrNameLst>
+                                          <p:attrName>style.visibility</p:attrName>
+                                        </p:attrNameLst>
+                                      </p:cBhvr>
+                                      <p:to>
+                                        <p:strVal val="visible"/>
+                                      </p:to>
+                                    </p:set>
+                                  </p:childTnLst>
+                                </p:cTn>
+                              </p:par>
+                            </p:childTnLst>
+                          </p:cTn>
+                        </p:par>
+                      </p:childTnLst>
+                    </p:cTn>
+                  </p:par>
+                  <p:par>
+                    <p:cTn id="20" fill="hold">
+                      <p:stCondLst>
+                        <p:cond delay="indefinite"/>
+                      </p:stCondLst>
+                      <p:childTnLst>
+                        <p:par>
+                          <p:cTn id="21" fill="hold">
+                            <p:stCondLst>
+                              <p:cond delay="0"/>
+                            </p:stCondLst>
+                            <p:childTnLst>
+                              <p:par>
+                                <p:cTn id="22" presetClass="entr" nodeType="clickEffect" presetSubtype="0" presetID="1" grpId="2" fill="hold">
+                                  <p:stCondLst>
+                                    <p:cond delay="0"/>
+                                  </p:stCondLst>
+                                  <p:iterate type="el" backwards="0">
+                                    <p:tmAbs val="0"/>
+                                  </p:iterate>
+                                  <p:childTnLst>
+                                    <p:set>
+                                      <p:cBhvr>
+                                        <p:cTn id="23" fill="hold"/>
+                                        <p:tgtEl>
+                                          <p:spTgt spid="221"/>
                                         </p:tgtEl>
                                         <p:attrNameLst>
                                           <p:attrName>style.visibility</p:attrName>
@@ -7845,7 +7892,8 @@
       </p:par>
     </p:tnLst>
     <p:bldLst>
-      <p:bldP build="p" bldLvl="5" animBg="1" rev="0" advAuto="0" spid="218" grpId="1"/>
+      <p:bldP build="p" bldLvl="5" animBg="1" rev="0" advAuto="0" spid="219" grpId="1"/>
+      <p:bldP build="whole" bldLvl="1" animBg="1" rev="0" advAuto="0" spid="221" grpId="2"/>
     </p:bldLst>
   </p:timing>
 </p:sld>
@@ -7870,7 +7918,7 @@
       </p:grpSpPr>
       <p:sp>
         <p:nvSpPr>
-          <p:cNvPr id="226" name="Double-click to edit"/>
+          <p:cNvPr id="225" name="Double-click to edit"/>
           <p:cNvSpPr txBox="1"/>
           <p:nvPr>
             <p:ph type="title"/>
@@ -7893,7 +7941,7 @@
       </p:sp>
       <p:sp>
         <p:nvSpPr>
-          <p:cNvPr id="227" name="Google Shape;119;p19"/>
+          <p:cNvPr id="226" name="Google Shape;119;p19"/>
           <p:cNvSpPr txBox="1"/>
           <p:nvPr/>
         </p:nvSpPr>
@@ -7991,7 +8039,7 @@
       </p:sp>
       <p:grpSp>
         <p:nvGrpSpPr>
-          <p:cNvPr id="230" name="Google Shape;118;p19"/>
+          <p:cNvPr id="229" name="Google Shape;118;p19"/>
           <p:cNvGrpSpPr/>
           <p:nvPr/>
         </p:nvGrpSpPr>
@@ -8005,7 +8053,7 @@
         </p:grpSpPr>
         <p:sp>
           <p:nvSpPr>
-            <p:cNvPr id="228" name="Rectangle"/>
+            <p:cNvPr id="227" name="Rectangle"/>
             <p:cNvSpPr/>
             <p:nvPr/>
           </p:nvSpPr>
@@ -8053,7 +8101,7 @@
         </p:sp>
         <p:sp>
           <p:nvSpPr>
-            <p:cNvPr id="229" name="wrapping up!…"/>
+            <p:cNvPr id="228" name="wrapping up!…"/>
             <p:cNvSpPr txBox="1"/>
             <p:nvPr/>
           </p:nvSpPr>
@@ -8129,7 +8177,7 @@
       </p:grpSp>
       <p:pic>
         <p:nvPicPr>
-          <p:cNvPr id="231" name="Image" descr="Image"/>
+          <p:cNvPr id="230" name="Image" descr="Image"/>
           <p:cNvPicPr>
             <a:picLocks noChangeAspect="1"/>
           </p:cNvPicPr>
@@ -8184,7 +8232,7 @@
       </p:grpSpPr>
       <p:sp>
         <p:nvSpPr>
-          <p:cNvPr id="233" name="Double-click to edit"/>
+          <p:cNvPr id="232" name="Double-click to edit"/>
           <p:cNvSpPr txBox="1"/>
           <p:nvPr>
             <p:ph type="title"/>
@@ -8207,7 +8255,7 @@
       </p:sp>
       <p:sp>
         <p:nvSpPr>
-          <p:cNvPr id="234" name="a. Students will receive their phones at the end of 9th period and 10th period.…"/>
+          <p:cNvPr id="233" name="a. Students will receive their phones at the end of 9th period and 10th period.…"/>
           <p:cNvSpPr txBox="1"/>
           <p:nvPr/>
         </p:nvSpPr>
@@ -8273,7 +8321,7 @@
       </p:sp>
       <p:grpSp>
         <p:nvGrpSpPr>
-          <p:cNvPr id="237" name="Google Shape;118;p19"/>
+          <p:cNvPr id="236" name="Google Shape;118;p19"/>
           <p:cNvGrpSpPr/>
           <p:nvPr/>
         </p:nvGrpSpPr>
@@ -8287,7 +8335,7 @@
         </p:grpSpPr>
         <p:sp>
           <p:nvSpPr>
-            <p:cNvPr id="235" name="Rectangle"/>
+            <p:cNvPr id="234" name="Rectangle"/>
             <p:cNvSpPr/>
             <p:nvPr/>
           </p:nvSpPr>
@@ -8335,7 +8383,7 @@
         </p:sp>
         <p:sp>
           <p:nvSpPr>
-            <p:cNvPr id="236" name="Cell phone distro…"/>
+            <p:cNvPr id="235" name="Cell phone distro…"/>
             <p:cNvSpPr txBox="1"/>
             <p:nvPr/>
           </p:nvSpPr>
